--- a/Youtube analysis/20190124-pitch2.pptx
+++ b/Youtube analysis/20190124-pitch2.pptx
@@ -11205,13 +11205,6 @@
               </a:rPr>
               <a:t>??</a:t>
             </a:r>
-            <a:endParaRPr lang="en-US" altLang="zh-TW" sz="3200" b="1" dirty="0" smtClean="0">
-              <a:solidFill>
-                <a:schemeClr val="accent2"/>
-              </a:solidFill>
-              <a:latin typeface="微軟正黑體" panose="020B0604030504040204" pitchFamily="34" charset="-120"/>
-              <a:ea typeface="微軟正黑體" panose="020B0604030504040204" pitchFamily="34" charset="-120"/>
-            </a:endParaRPr>
           </a:p>
           <a:p>
             <a:pPr marL="342900" indent="-342900">
@@ -11594,6 +11587,150 @@
           </a:prstGeom>
         </p:spPr>
       </p:pic>
+      <p:sp>
+        <p:nvSpPr>
+          <p:cNvPr id="2" name="圓角矩形 1"/>
+          <p:cNvSpPr/>
+          <p:nvPr/>
+        </p:nvSpPr>
+        <p:spPr>
+          <a:xfrm>
+            <a:off x="6018662" y="1555845"/>
+            <a:ext cx="586853" cy="341194"/>
+          </a:xfrm>
+          <a:prstGeom prst="roundRect">
+            <a:avLst/>
+          </a:prstGeom>
+          <a:solidFill>
+            <a:srgbClr val="FFFFFF"/>
+          </a:solidFill>
+          <a:ln>
+            <a:solidFill>
+              <a:srgbClr val="FFFFFF"/>
+            </a:solidFill>
+          </a:ln>
+        </p:spPr>
+        <p:style>
+          <a:lnRef idx="2">
+            <a:schemeClr val="accent1">
+              <a:shade val="50000"/>
+            </a:schemeClr>
+          </a:lnRef>
+          <a:fillRef idx="1">
+            <a:schemeClr val="accent1"/>
+          </a:fillRef>
+          <a:effectRef idx="0">
+            <a:schemeClr val="accent1"/>
+          </a:effectRef>
+          <a:fontRef idx="minor">
+            <a:schemeClr val="lt1"/>
+          </a:fontRef>
+        </p:style>
+        <p:txBody>
+          <a:bodyPr rtlCol="0" anchor="ctr"/>
+          <a:lstStyle/>
+          <a:p>
+            <a:pPr algn="ctr"/>
+            <a:endParaRPr lang="zh-TW" altLang="en-US"/>
+          </a:p>
+        </p:txBody>
+      </p:sp>
+      <p:sp>
+        <p:nvSpPr>
+          <p:cNvPr id="7" name="圓角矩形 6"/>
+          <p:cNvSpPr/>
+          <p:nvPr/>
+        </p:nvSpPr>
+        <p:spPr>
+          <a:xfrm>
+            <a:off x="2535359" y="3604111"/>
+            <a:ext cx="586853" cy="382137"/>
+          </a:xfrm>
+          <a:prstGeom prst="roundRect">
+            <a:avLst/>
+          </a:prstGeom>
+          <a:solidFill>
+            <a:srgbClr val="FFFFFF"/>
+          </a:solidFill>
+          <a:ln>
+            <a:solidFill>
+              <a:srgbClr val="FFFFFF"/>
+            </a:solidFill>
+          </a:ln>
+        </p:spPr>
+        <p:style>
+          <a:lnRef idx="2">
+            <a:schemeClr val="accent1">
+              <a:shade val="50000"/>
+            </a:schemeClr>
+          </a:lnRef>
+          <a:fillRef idx="1">
+            <a:schemeClr val="accent1"/>
+          </a:fillRef>
+          <a:effectRef idx="0">
+            <a:schemeClr val="accent1"/>
+          </a:effectRef>
+          <a:fontRef idx="minor">
+            <a:schemeClr val="lt1"/>
+          </a:fontRef>
+        </p:style>
+        <p:txBody>
+          <a:bodyPr rtlCol="0" anchor="ctr"/>
+          <a:lstStyle/>
+          <a:p>
+            <a:pPr algn="ctr"/>
+            <a:endParaRPr lang="zh-TW" altLang="en-US"/>
+          </a:p>
+        </p:txBody>
+      </p:sp>
+      <p:sp>
+        <p:nvSpPr>
+          <p:cNvPr id="8" name="圓角矩形 7"/>
+          <p:cNvSpPr/>
+          <p:nvPr/>
+        </p:nvSpPr>
+        <p:spPr>
+          <a:xfrm>
+            <a:off x="6018661" y="6018663"/>
+            <a:ext cx="1382234" cy="175810"/>
+          </a:xfrm>
+          <a:prstGeom prst="roundRect">
+            <a:avLst/>
+          </a:prstGeom>
+          <a:solidFill>
+            <a:srgbClr val="FFFFFF"/>
+          </a:solidFill>
+          <a:ln>
+            <a:solidFill>
+              <a:srgbClr val="FFFFFF"/>
+            </a:solidFill>
+          </a:ln>
+        </p:spPr>
+        <p:style>
+          <a:lnRef idx="2">
+            <a:schemeClr val="accent1">
+              <a:shade val="50000"/>
+            </a:schemeClr>
+          </a:lnRef>
+          <a:fillRef idx="1">
+            <a:schemeClr val="accent1"/>
+          </a:fillRef>
+          <a:effectRef idx="0">
+            <a:schemeClr val="accent1"/>
+          </a:effectRef>
+          <a:fontRef idx="minor">
+            <a:schemeClr val="lt1"/>
+          </a:fontRef>
+        </p:style>
+        <p:txBody>
+          <a:bodyPr rtlCol="0" anchor="ctr"/>
+          <a:lstStyle/>
+          <a:p>
+            <a:pPr algn="ctr"/>
+            <a:endParaRPr lang="zh-TW" altLang="en-US"/>
+          </a:p>
+        </p:txBody>
+      </p:sp>
     </p:spTree>
     <p:extLst>
       <p:ext uri="{BB962C8B-B14F-4D97-AF65-F5344CB8AC3E}">
@@ -12156,17 +12293,7 @@
                 <a:latin typeface="微軟正黑體" panose="020B0604030504040204" pitchFamily="34" charset="-120"/>
                 <a:ea typeface="微軟正黑體" panose="020B0604030504040204" pitchFamily="34" charset="-120"/>
               </a:rPr>
-              <a:t>做</a:t>
-            </a:r>
-            <a:r>
-              <a:rPr lang="zh-TW" altLang="en-US" sz="2000" dirty="0" smtClean="0">
-                <a:solidFill>
-                  <a:schemeClr val="tx1"/>
-                </a:solidFill>
-                <a:latin typeface="微軟正黑體" panose="020B0604030504040204" pitchFamily="34" charset="-120"/>
-                <a:ea typeface="微軟正黑體" panose="020B0604030504040204" pitchFamily="34" charset="-120"/>
-              </a:rPr>
-              <a:t>轉換</a:t>
+              <a:t>做轉換</a:t>
             </a:r>
             <a:endParaRPr lang="en-US" altLang="zh-TW" sz="2000" dirty="0">
               <a:solidFill>
